--- a/ex_28/epm-data-model.pptx
+++ b/ex_28/epm-data-model.pptx
@@ -6,6 +6,7 @@
   </p:sldMasterIdLst>
   <p:sldIdLst>
     <p:sldId id="256" r:id="rId2"/>
+    <p:sldId id="257" r:id="rId3"/>
   </p:sldIdLst>
   <p:sldSz cx="12192000" cy="6858000"/>
   <p:notesSz cx="6858000" cy="9144000"/>
@@ -104,6 +105,11 @@
       </a:defRPr>
     </a:lvl9pPr>
   </p:defaultTextStyle>
+  <p:extLst>
+    <p:ext uri="{EFAFB233-063F-42B5-8137-9DF3F51BA10A}">
+      <p15:sldGuideLst xmlns:p15="http://schemas.microsoft.com/office/powerpoint/2012/main"/>
+    </p:ext>
+  </p:extLst>
 </p:presentation>
 </file>
 
@@ -4393,6 +4399,818 @@
 </p:sld>
 </file>
 
+<file path=ppt/slides/slide2.xml><?xml version="1.0" encoding="utf-8"?>
+<p:sld xmlns:a="http://schemas.openxmlformats.org/drawingml/2006/main" xmlns:r="http://schemas.openxmlformats.org/officeDocument/2006/relationships" xmlns:p="http://schemas.openxmlformats.org/presentationml/2006/main">
+  <p:cSld>
+    <p:spTree>
+      <p:nvGrpSpPr>
+        <p:cNvPr id="1" name=""/>
+        <p:cNvGrpSpPr/>
+        <p:nvPr/>
+      </p:nvGrpSpPr>
+      <p:grpSpPr>
+        <a:xfrm>
+          <a:off x="0" y="0"/>
+          <a:ext cx="0" cy="0"/>
+          <a:chOff x="0" y="0"/>
+          <a:chExt cx="0" cy="0"/>
+        </a:xfrm>
+      </p:grpSpPr>
+      <p:sp>
+        <p:nvSpPr>
+          <p:cNvPr id="7" name="TextBox 6">
+            <a:extLst>
+              <a:ext uri="{FF2B5EF4-FFF2-40B4-BE49-F238E27FC236}">
+                <a16:creationId xmlns:a16="http://schemas.microsoft.com/office/drawing/2014/main" id="{F71905D4-839C-28DA-446D-12A190485464}"/>
+              </a:ext>
+            </a:extLst>
+          </p:cNvPr>
+          <p:cNvSpPr txBox="1"/>
+          <p:nvPr/>
+        </p:nvSpPr>
+        <p:spPr>
+          <a:xfrm>
+            <a:off x="1719072" y="615748"/>
+            <a:ext cx="8348472" cy="923330"/>
+          </a:xfrm>
+          <a:prstGeom prst="rect">
+            <a:avLst/>
+          </a:prstGeom>
+          <a:noFill/>
+        </p:spPr>
+        <p:txBody>
+          <a:bodyPr wrap="square" rtlCol="0">
+            <a:spAutoFit/>
+          </a:bodyPr>
+          <a:lstStyle/>
+          <a:p>
+            <a:r>
+              <a:rPr lang="en-GB" dirty="0"/>
+              <a:t>If there is a small change in the structure then we need to re-create the artifacts so DPC and MPC classes get updated with new structure change –</a:t>
+            </a:r>
+          </a:p>
+          <a:p>
+            <a:r>
+              <a:rPr lang="en-GB" b="1" dirty="0">
+                <a:highlight>
+                  <a:srgbClr val="FFFF00"/>
+                </a:highlight>
+              </a:rPr>
+              <a:t>It is recommended not to write any custom code inside these classes</a:t>
+            </a:r>
+            <a:endParaRPr lang="en-US" b="1" dirty="0">
+              <a:highlight>
+                <a:srgbClr val="FFFF00"/>
+              </a:highlight>
+            </a:endParaRPr>
+          </a:p>
+        </p:txBody>
+      </p:sp>
+      <p:sp>
+        <p:nvSpPr>
+          <p:cNvPr id="15" name="TextBox 14">
+            <a:extLst>
+              <a:ext uri="{FF2B5EF4-FFF2-40B4-BE49-F238E27FC236}">
+                <a16:creationId xmlns:a16="http://schemas.microsoft.com/office/drawing/2014/main" id="{C8E8DA36-5DC9-860A-EFF5-FCBB5A7EFF6F}"/>
+              </a:ext>
+            </a:extLst>
+          </p:cNvPr>
+          <p:cNvSpPr txBox="1"/>
+          <p:nvPr/>
+        </p:nvSpPr>
+        <p:spPr>
+          <a:xfrm>
+            <a:off x="2029968" y="5422606"/>
+            <a:ext cx="7726680" cy="923330"/>
+          </a:xfrm>
+          <a:prstGeom prst="rect">
+            <a:avLst/>
+          </a:prstGeom>
+          <a:noFill/>
+        </p:spPr>
+        <p:txBody>
+          <a:bodyPr wrap="square" rtlCol="0">
+            <a:spAutoFit/>
+          </a:bodyPr>
+          <a:lstStyle/>
+          <a:p>
+            <a:r>
+              <a:rPr lang="en-GB" dirty="0">
+                <a:highlight>
+                  <a:srgbClr val="FFFF00"/>
+                </a:highlight>
+              </a:rPr>
+              <a:t>It is recommended to write down all the custom and tweaking code inside respective extension class DPC_EXT and MPC_EXT these are children of the parent class so it can access the necessary properties from the parent class </a:t>
+            </a:r>
+            <a:endParaRPr lang="en-US" dirty="0">
+              <a:highlight>
+                <a:srgbClr val="FFFF00"/>
+              </a:highlight>
+            </a:endParaRPr>
+          </a:p>
+        </p:txBody>
+      </p:sp>
+      <p:grpSp>
+        <p:nvGrpSpPr>
+          <p:cNvPr id="18" name="Group 17">
+            <a:extLst>
+              <a:ext uri="{FF2B5EF4-FFF2-40B4-BE49-F238E27FC236}">
+                <a16:creationId xmlns:a16="http://schemas.microsoft.com/office/drawing/2014/main" id="{F543E233-5D9C-EB66-777E-52D0C8E8EA41}"/>
+              </a:ext>
+            </a:extLst>
+          </p:cNvPr>
+          <p:cNvGrpSpPr/>
+          <p:nvPr/>
+        </p:nvGrpSpPr>
+        <p:grpSpPr>
+          <a:xfrm>
+            <a:off x="801624" y="1994178"/>
+            <a:ext cx="10588752" cy="2992350"/>
+            <a:chOff x="801624" y="1994178"/>
+            <a:chExt cx="10588752" cy="2992350"/>
+          </a:xfrm>
+        </p:grpSpPr>
+        <p:grpSp>
+          <p:nvGrpSpPr>
+            <p:cNvPr id="14" name="Group 13">
+              <a:extLst>
+                <a:ext uri="{FF2B5EF4-FFF2-40B4-BE49-F238E27FC236}">
+                  <a16:creationId xmlns:a16="http://schemas.microsoft.com/office/drawing/2014/main" id="{CE9AD225-2EC2-15CE-71A3-9A81ED7E6315}"/>
+                </a:ext>
+              </a:extLst>
+            </p:cNvPr>
+            <p:cNvGrpSpPr/>
+            <p:nvPr/>
+          </p:nvGrpSpPr>
+          <p:grpSpPr>
+            <a:xfrm>
+              <a:off x="1335024" y="2404872"/>
+              <a:ext cx="8610600" cy="2581656"/>
+              <a:chOff x="1335024" y="2404872"/>
+              <a:chExt cx="8610600" cy="2581656"/>
+            </a:xfrm>
+          </p:grpSpPr>
+          <p:sp>
+            <p:nvSpPr>
+              <p:cNvPr id="4" name="Rectangle 3">
+                <a:extLst>
+                  <a:ext uri="{FF2B5EF4-FFF2-40B4-BE49-F238E27FC236}">
+                    <a16:creationId xmlns:a16="http://schemas.microsoft.com/office/drawing/2014/main" id="{34285938-4C78-A154-018B-84A3EB7DBA04}"/>
+                  </a:ext>
+                </a:extLst>
+              </p:cNvPr>
+              <p:cNvSpPr/>
+              <p:nvPr/>
+            </p:nvSpPr>
+            <p:spPr>
+              <a:xfrm>
+                <a:off x="1335024" y="2404872"/>
+                <a:ext cx="3090672" cy="1005840"/>
+              </a:xfrm>
+              <a:prstGeom prst="rect">
+                <a:avLst/>
+              </a:prstGeom>
+              <a:solidFill>
+                <a:schemeClr val="accent1">
+                  <a:lumMod val="60000"/>
+                  <a:lumOff val="40000"/>
+                </a:schemeClr>
+              </a:solidFill>
+              <a:ln>
+                <a:noFill/>
+              </a:ln>
+            </p:spPr>
+            <p:style>
+              <a:lnRef idx="2">
+                <a:schemeClr val="accent1">
+                  <a:shade val="15000"/>
+                </a:schemeClr>
+              </a:lnRef>
+              <a:fillRef idx="1">
+                <a:schemeClr val="accent1"/>
+              </a:fillRef>
+              <a:effectRef idx="0">
+                <a:schemeClr val="accent1"/>
+              </a:effectRef>
+              <a:fontRef idx="minor">
+                <a:schemeClr val="lt1"/>
+              </a:fontRef>
+            </p:style>
+            <p:txBody>
+              <a:bodyPr rtlCol="0" anchor="ctr"/>
+              <a:lstStyle/>
+              <a:p>
+                <a:pPr algn="ctr"/>
+                <a:r>
+                  <a:rPr lang="en-GB" dirty="0">
+                    <a:solidFill>
+                      <a:schemeClr val="tx1"/>
+                    </a:solidFill>
+                  </a:rPr>
+                  <a:t>Model Provider Class </a:t>
+                </a:r>
+              </a:p>
+              <a:p>
+                <a:pPr algn="ctr"/>
+                <a:r>
+                  <a:rPr lang="en-GB" dirty="0">
+                    <a:solidFill>
+                      <a:schemeClr val="tx1"/>
+                    </a:solidFill>
+                  </a:rPr>
+                  <a:t>(MPC)</a:t>
+                </a:r>
+                <a:endParaRPr lang="en-US" dirty="0">
+                  <a:solidFill>
+                    <a:schemeClr val="tx1"/>
+                  </a:solidFill>
+                </a:endParaRPr>
+              </a:p>
+            </p:txBody>
+          </p:sp>
+          <p:sp>
+            <p:nvSpPr>
+              <p:cNvPr id="5" name="Rectangle 4">
+                <a:extLst>
+                  <a:ext uri="{FF2B5EF4-FFF2-40B4-BE49-F238E27FC236}">
+                    <a16:creationId xmlns:a16="http://schemas.microsoft.com/office/drawing/2014/main" id="{7D82E84B-636F-CA84-14CD-3B6D9F4DB2A3}"/>
+                  </a:ext>
+                </a:extLst>
+              </p:cNvPr>
+              <p:cNvSpPr/>
+              <p:nvPr/>
+            </p:nvSpPr>
+            <p:spPr>
+              <a:xfrm>
+                <a:off x="6854952" y="2404872"/>
+                <a:ext cx="3090672" cy="1005840"/>
+              </a:xfrm>
+              <a:prstGeom prst="rect">
+                <a:avLst/>
+              </a:prstGeom>
+              <a:solidFill>
+                <a:schemeClr val="accent3">
+                  <a:lumMod val="60000"/>
+                  <a:lumOff val="40000"/>
+                </a:schemeClr>
+              </a:solidFill>
+              <a:ln>
+                <a:noFill/>
+              </a:ln>
+            </p:spPr>
+            <p:style>
+              <a:lnRef idx="2">
+                <a:schemeClr val="accent1">
+                  <a:shade val="15000"/>
+                </a:schemeClr>
+              </a:lnRef>
+              <a:fillRef idx="1">
+                <a:schemeClr val="accent1"/>
+              </a:fillRef>
+              <a:effectRef idx="0">
+                <a:schemeClr val="accent1"/>
+              </a:effectRef>
+              <a:fontRef idx="minor">
+                <a:schemeClr val="lt1"/>
+              </a:fontRef>
+            </p:style>
+            <p:txBody>
+              <a:bodyPr rtlCol="0" anchor="ctr"/>
+              <a:lstStyle/>
+              <a:p>
+                <a:pPr algn="ctr"/>
+                <a:endParaRPr lang="en-GB" dirty="0">
+                  <a:solidFill>
+                    <a:schemeClr val="tx1"/>
+                  </a:solidFill>
+                </a:endParaRPr>
+              </a:p>
+              <a:p>
+                <a:pPr algn="ctr"/>
+                <a:endParaRPr lang="en-GB" dirty="0">
+                  <a:solidFill>
+                    <a:schemeClr val="tx1"/>
+                  </a:solidFill>
+                </a:endParaRPr>
+              </a:p>
+              <a:p>
+                <a:pPr algn="ctr"/>
+                <a:r>
+                  <a:rPr lang="en-GB" dirty="0">
+                    <a:solidFill>
+                      <a:schemeClr val="tx1"/>
+                    </a:solidFill>
+                  </a:rPr>
+                  <a:t>Data Provider Class</a:t>
+                </a:r>
+              </a:p>
+              <a:p>
+                <a:pPr algn="ctr"/>
+                <a:r>
+                  <a:rPr lang="en-GB" dirty="0">
+                    <a:solidFill>
+                      <a:schemeClr val="tx1"/>
+                    </a:solidFill>
+                  </a:rPr>
+                  <a:t>(DPC)</a:t>
+                </a:r>
+                <a:endParaRPr lang="en-US" dirty="0">
+                  <a:solidFill>
+                    <a:schemeClr val="tx1"/>
+                  </a:solidFill>
+                </a:endParaRPr>
+              </a:p>
+              <a:p>
+                <a:pPr algn="ctr"/>
+                <a:endParaRPr lang="en-US" dirty="0">
+                  <a:solidFill>
+                    <a:schemeClr val="tx1"/>
+                  </a:solidFill>
+                </a:endParaRPr>
+              </a:p>
+              <a:p>
+                <a:pPr algn="ctr"/>
+                <a:endParaRPr lang="en-US" dirty="0">
+                  <a:solidFill>
+                    <a:schemeClr val="tx1"/>
+                  </a:solidFill>
+                </a:endParaRPr>
+              </a:p>
+            </p:txBody>
+          </p:sp>
+          <p:sp>
+            <p:nvSpPr>
+              <p:cNvPr id="8" name="Rectangle 7">
+                <a:extLst>
+                  <a:ext uri="{FF2B5EF4-FFF2-40B4-BE49-F238E27FC236}">
+                    <a16:creationId xmlns:a16="http://schemas.microsoft.com/office/drawing/2014/main" id="{ADD991CF-6DA2-04F6-0224-75931AB5904D}"/>
+                  </a:ext>
+                </a:extLst>
+              </p:cNvPr>
+              <p:cNvSpPr/>
+              <p:nvPr/>
+            </p:nvSpPr>
+            <p:spPr>
+              <a:xfrm>
+                <a:off x="1335024" y="3980688"/>
+                <a:ext cx="3090672" cy="1005840"/>
+              </a:xfrm>
+              <a:prstGeom prst="rect">
+                <a:avLst/>
+              </a:prstGeom>
+              <a:solidFill>
+                <a:schemeClr val="accent1">
+                  <a:lumMod val="40000"/>
+                  <a:lumOff val="60000"/>
+                </a:schemeClr>
+              </a:solidFill>
+              <a:ln>
+                <a:noFill/>
+              </a:ln>
+            </p:spPr>
+            <p:style>
+              <a:lnRef idx="2">
+                <a:schemeClr val="accent1">
+                  <a:shade val="15000"/>
+                </a:schemeClr>
+              </a:lnRef>
+              <a:fillRef idx="1">
+                <a:schemeClr val="accent1"/>
+              </a:fillRef>
+              <a:effectRef idx="0">
+                <a:schemeClr val="accent1"/>
+              </a:effectRef>
+              <a:fontRef idx="minor">
+                <a:schemeClr val="lt1"/>
+              </a:fontRef>
+            </p:style>
+            <p:txBody>
+              <a:bodyPr rtlCol="0" anchor="ctr"/>
+              <a:lstStyle/>
+              <a:p>
+                <a:pPr algn="ctr"/>
+                <a:r>
+                  <a:rPr lang="en-GB" dirty="0">
+                    <a:solidFill>
+                      <a:schemeClr val="tx1"/>
+                    </a:solidFill>
+                  </a:rPr>
+                  <a:t>Model Provider Extension Class </a:t>
+                </a:r>
+              </a:p>
+              <a:p>
+                <a:pPr algn="ctr"/>
+                <a:r>
+                  <a:rPr lang="en-GB" dirty="0">
+                    <a:solidFill>
+                      <a:schemeClr val="tx1"/>
+                    </a:solidFill>
+                  </a:rPr>
+                  <a:t>(MPC_EXT)</a:t>
+                </a:r>
+                <a:endParaRPr lang="en-US" dirty="0">
+                  <a:solidFill>
+                    <a:schemeClr val="tx1"/>
+                  </a:solidFill>
+                </a:endParaRPr>
+              </a:p>
+            </p:txBody>
+          </p:sp>
+          <p:sp>
+            <p:nvSpPr>
+              <p:cNvPr id="9" name="Rectangle 8">
+                <a:extLst>
+                  <a:ext uri="{FF2B5EF4-FFF2-40B4-BE49-F238E27FC236}">
+                    <a16:creationId xmlns:a16="http://schemas.microsoft.com/office/drawing/2014/main" id="{6CF03E83-EABC-2CD3-BC73-1D8FF8B9A05F}"/>
+                  </a:ext>
+                </a:extLst>
+              </p:cNvPr>
+              <p:cNvSpPr/>
+              <p:nvPr/>
+            </p:nvSpPr>
+            <p:spPr>
+              <a:xfrm>
+                <a:off x="6854952" y="3947160"/>
+                <a:ext cx="3090672" cy="1005840"/>
+              </a:xfrm>
+              <a:prstGeom prst="rect">
+                <a:avLst/>
+              </a:prstGeom>
+              <a:solidFill>
+                <a:schemeClr val="accent3">
+                  <a:lumMod val="40000"/>
+                  <a:lumOff val="60000"/>
+                </a:schemeClr>
+              </a:solidFill>
+              <a:ln>
+                <a:noFill/>
+              </a:ln>
+            </p:spPr>
+            <p:style>
+              <a:lnRef idx="2">
+                <a:schemeClr val="accent1">
+                  <a:shade val="15000"/>
+                </a:schemeClr>
+              </a:lnRef>
+              <a:fillRef idx="1">
+                <a:schemeClr val="accent1"/>
+              </a:fillRef>
+              <a:effectRef idx="0">
+                <a:schemeClr val="accent1"/>
+              </a:effectRef>
+              <a:fontRef idx="minor">
+                <a:schemeClr val="lt1"/>
+              </a:fontRef>
+            </p:style>
+            <p:txBody>
+              <a:bodyPr rtlCol="0" anchor="ctr"/>
+              <a:lstStyle/>
+              <a:p>
+                <a:pPr algn="ctr"/>
+                <a:endParaRPr lang="en-GB" dirty="0">
+                  <a:solidFill>
+                    <a:schemeClr val="tx1"/>
+                  </a:solidFill>
+                </a:endParaRPr>
+              </a:p>
+              <a:p>
+                <a:pPr algn="ctr"/>
+                <a:endParaRPr lang="en-GB" dirty="0">
+                  <a:solidFill>
+                    <a:schemeClr val="tx1"/>
+                  </a:solidFill>
+                </a:endParaRPr>
+              </a:p>
+              <a:p>
+                <a:pPr algn="ctr"/>
+                <a:r>
+                  <a:rPr lang="en-GB" dirty="0">
+                    <a:solidFill>
+                      <a:schemeClr val="tx1"/>
+                    </a:solidFill>
+                  </a:rPr>
+                  <a:t>Data Provider Extension Class</a:t>
+                </a:r>
+              </a:p>
+              <a:p>
+                <a:pPr algn="ctr"/>
+                <a:r>
+                  <a:rPr lang="en-GB" dirty="0">
+                    <a:solidFill>
+                      <a:schemeClr val="tx1"/>
+                    </a:solidFill>
+                  </a:rPr>
+                  <a:t>(DPC_EXT)</a:t>
+                </a:r>
+                <a:endParaRPr lang="en-US" dirty="0">
+                  <a:solidFill>
+                    <a:schemeClr val="tx1"/>
+                  </a:solidFill>
+                </a:endParaRPr>
+              </a:p>
+              <a:p>
+                <a:pPr algn="ctr"/>
+                <a:endParaRPr lang="en-US" dirty="0">
+                  <a:solidFill>
+                    <a:schemeClr val="tx1"/>
+                  </a:solidFill>
+                </a:endParaRPr>
+              </a:p>
+              <a:p>
+                <a:pPr algn="ctr"/>
+                <a:endParaRPr lang="en-US" dirty="0">
+                  <a:solidFill>
+                    <a:schemeClr val="tx1"/>
+                  </a:solidFill>
+                </a:endParaRPr>
+              </a:p>
+            </p:txBody>
+          </p:sp>
+          <p:sp>
+            <p:nvSpPr>
+              <p:cNvPr id="10" name="TextBox 9">
+                <a:extLst>
+                  <a:ext uri="{FF2B5EF4-FFF2-40B4-BE49-F238E27FC236}">
+                    <a16:creationId xmlns:a16="http://schemas.microsoft.com/office/drawing/2014/main" id="{AC6592BD-A0CD-B3F2-3A08-7D1A6CA11349}"/>
+                  </a:ext>
+                </a:extLst>
+              </p:cNvPr>
+              <p:cNvSpPr txBox="1"/>
+              <p:nvPr/>
+            </p:nvSpPr>
+            <p:spPr>
+              <a:xfrm>
+                <a:off x="4907280" y="2645140"/>
+                <a:ext cx="1676400" cy="369332"/>
+              </a:xfrm>
+              <a:prstGeom prst="rect">
+                <a:avLst/>
+              </a:prstGeom>
+              <a:noFill/>
+            </p:spPr>
+            <p:txBody>
+              <a:bodyPr wrap="square" rtlCol="0">
+                <a:spAutoFit/>
+              </a:bodyPr>
+              <a:lstStyle/>
+              <a:p>
+                <a:r>
+                  <a:rPr lang="en-GB" b="1" dirty="0">
+                    <a:solidFill>
+                      <a:srgbClr val="FF0000"/>
+                    </a:solidFill>
+                  </a:rPr>
+                  <a:t>Parent Class</a:t>
+                </a:r>
+                <a:endParaRPr lang="en-US" b="1" dirty="0">
+                  <a:solidFill>
+                    <a:srgbClr val="FF0000"/>
+                  </a:solidFill>
+                </a:endParaRPr>
+              </a:p>
+            </p:txBody>
+          </p:sp>
+          <p:sp>
+            <p:nvSpPr>
+              <p:cNvPr id="11" name="TextBox 10">
+                <a:extLst>
+                  <a:ext uri="{FF2B5EF4-FFF2-40B4-BE49-F238E27FC236}">
+                    <a16:creationId xmlns:a16="http://schemas.microsoft.com/office/drawing/2014/main" id="{BE56F095-7578-1B26-4370-818D26541A01}"/>
+                  </a:ext>
+                </a:extLst>
+              </p:cNvPr>
+              <p:cNvSpPr txBox="1"/>
+              <p:nvPr/>
+            </p:nvSpPr>
+            <p:spPr>
+              <a:xfrm>
+                <a:off x="4907280" y="4265414"/>
+                <a:ext cx="1676400" cy="369332"/>
+              </a:xfrm>
+              <a:prstGeom prst="rect">
+                <a:avLst/>
+              </a:prstGeom>
+              <a:noFill/>
+            </p:spPr>
+            <p:txBody>
+              <a:bodyPr wrap="square" rtlCol="0">
+                <a:spAutoFit/>
+              </a:bodyPr>
+              <a:lstStyle/>
+              <a:p>
+                <a:r>
+                  <a:rPr lang="en-GB" b="1" dirty="0">
+                    <a:solidFill>
+                      <a:srgbClr val="FF0000"/>
+                    </a:solidFill>
+                  </a:rPr>
+                  <a:t>Child Class</a:t>
+                </a:r>
+                <a:endParaRPr lang="en-US" b="1" dirty="0">
+                  <a:solidFill>
+                    <a:srgbClr val="FF0000"/>
+                  </a:solidFill>
+                </a:endParaRPr>
+              </a:p>
+            </p:txBody>
+          </p:sp>
+          <p:sp>
+            <p:nvSpPr>
+              <p:cNvPr id="12" name="Arrow: Up 11">
+                <a:extLst>
+                  <a:ext uri="{FF2B5EF4-FFF2-40B4-BE49-F238E27FC236}">
+                    <a16:creationId xmlns:a16="http://schemas.microsoft.com/office/drawing/2014/main" id="{E96E883F-A9BE-7F49-3E30-77EA79CF8F0A}"/>
+                  </a:ext>
+                </a:extLst>
+              </p:cNvPr>
+              <p:cNvSpPr/>
+              <p:nvPr/>
+            </p:nvSpPr>
+            <p:spPr>
+              <a:xfrm>
+                <a:off x="2578608" y="3410712"/>
+                <a:ext cx="301752" cy="569976"/>
+              </a:xfrm>
+              <a:prstGeom prst="upArrow">
+                <a:avLst/>
+              </a:prstGeom>
+              <a:solidFill>
+                <a:schemeClr val="accent5">
+                  <a:lumMod val="60000"/>
+                  <a:lumOff val="40000"/>
+                </a:schemeClr>
+              </a:solidFill>
+              <a:ln>
+                <a:noFill/>
+              </a:ln>
+            </p:spPr>
+            <p:style>
+              <a:lnRef idx="2">
+                <a:schemeClr val="accent1">
+                  <a:shade val="15000"/>
+                </a:schemeClr>
+              </a:lnRef>
+              <a:fillRef idx="1">
+                <a:schemeClr val="accent1"/>
+              </a:fillRef>
+              <a:effectRef idx="0">
+                <a:schemeClr val="accent1"/>
+              </a:effectRef>
+              <a:fontRef idx="minor">
+                <a:schemeClr val="lt1"/>
+              </a:fontRef>
+            </p:style>
+            <p:txBody>
+              <a:bodyPr rtlCol="0" anchor="ctr"/>
+              <a:lstStyle/>
+              <a:p>
+                <a:pPr algn="ctr"/>
+                <a:endParaRPr lang="en-US"/>
+              </a:p>
+            </p:txBody>
+          </p:sp>
+          <p:sp>
+            <p:nvSpPr>
+              <p:cNvPr id="13" name="Arrow: Up 12">
+                <a:extLst>
+                  <a:ext uri="{FF2B5EF4-FFF2-40B4-BE49-F238E27FC236}">
+                    <a16:creationId xmlns:a16="http://schemas.microsoft.com/office/drawing/2014/main" id="{DD9DC299-C536-F1A9-B4F8-B40B71F76E43}"/>
+                  </a:ext>
+                </a:extLst>
+              </p:cNvPr>
+              <p:cNvSpPr/>
+              <p:nvPr/>
+            </p:nvSpPr>
+            <p:spPr>
+              <a:xfrm>
+                <a:off x="8238744" y="3400044"/>
+                <a:ext cx="301752" cy="569976"/>
+              </a:xfrm>
+              <a:prstGeom prst="upArrow">
+                <a:avLst/>
+              </a:prstGeom>
+              <a:solidFill>
+                <a:schemeClr val="accent5">
+                  <a:lumMod val="60000"/>
+                  <a:lumOff val="40000"/>
+                </a:schemeClr>
+              </a:solidFill>
+              <a:ln>
+                <a:noFill/>
+              </a:ln>
+            </p:spPr>
+            <p:style>
+              <a:lnRef idx="2">
+                <a:schemeClr val="accent1">
+                  <a:shade val="15000"/>
+                </a:schemeClr>
+              </a:lnRef>
+              <a:fillRef idx="1">
+                <a:schemeClr val="accent1"/>
+              </a:fillRef>
+              <a:effectRef idx="0">
+                <a:schemeClr val="accent1"/>
+              </a:effectRef>
+              <a:fontRef idx="minor">
+                <a:schemeClr val="lt1"/>
+              </a:fontRef>
+            </p:style>
+            <p:txBody>
+              <a:bodyPr rtlCol="0" anchor="ctr"/>
+              <a:lstStyle/>
+              <a:p>
+                <a:pPr algn="ctr"/>
+                <a:endParaRPr lang="en-US"/>
+              </a:p>
+            </p:txBody>
+          </p:sp>
+        </p:grpSp>
+        <p:sp>
+          <p:nvSpPr>
+            <p:cNvPr id="16" name="TextBox 15">
+              <a:extLst>
+                <a:ext uri="{FF2B5EF4-FFF2-40B4-BE49-F238E27FC236}">
+                  <a16:creationId xmlns:a16="http://schemas.microsoft.com/office/drawing/2014/main" id="{5893813F-D83C-2FEE-FC9A-7043F994FDFA}"/>
+                </a:ext>
+              </a:extLst>
+            </p:cNvPr>
+            <p:cNvSpPr txBox="1"/>
+            <p:nvPr/>
+          </p:nvSpPr>
+          <p:spPr>
+            <a:xfrm>
+              <a:off x="801624" y="1994178"/>
+              <a:ext cx="4157472" cy="369332"/>
+            </a:xfrm>
+            <a:prstGeom prst="rect">
+              <a:avLst/>
+            </a:prstGeom>
+            <a:noFill/>
+          </p:spPr>
+          <p:txBody>
+            <a:bodyPr wrap="square" rtlCol="0">
+              <a:spAutoFit/>
+            </a:bodyPr>
+            <a:lstStyle/>
+            <a:p>
+              <a:r>
+                <a:rPr lang="en-GB" b="1" dirty="0"/>
+                <a:t>Model and Metadata comes from MPC</a:t>
+              </a:r>
+              <a:endParaRPr lang="en-US" b="1" dirty="0"/>
+            </a:p>
+          </p:txBody>
+        </p:sp>
+        <p:sp>
+          <p:nvSpPr>
+            <p:cNvPr id="17" name="TextBox 16">
+              <a:extLst>
+                <a:ext uri="{FF2B5EF4-FFF2-40B4-BE49-F238E27FC236}">
+                  <a16:creationId xmlns:a16="http://schemas.microsoft.com/office/drawing/2014/main" id="{E75582E8-3087-8D46-5865-A35651D5CFE1}"/>
+                </a:ext>
+              </a:extLst>
+            </p:cNvPr>
+            <p:cNvSpPr txBox="1"/>
+            <p:nvPr/>
+          </p:nvSpPr>
+          <p:spPr>
+            <a:xfrm>
+              <a:off x="7232904" y="1998488"/>
+              <a:ext cx="4157472" cy="369332"/>
+            </a:xfrm>
+            <a:prstGeom prst="rect">
+              <a:avLst/>
+            </a:prstGeom>
+            <a:noFill/>
+          </p:spPr>
+          <p:txBody>
+            <a:bodyPr wrap="square" rtlCol="0">
+              <a:spAutoFit/>
+            </a:bodyPr>
+            <a:lstStyle/>
+            <a:p>
+              <a:r>
+                <a:rPr lang="en-GB" b="1" dirty="0"/>
+                <a:t>Data comes from DPC</a:t>
+              </a:r>
+              <a:endParaRPr lang="en-US" b="1" dirty="0"/>
+            </a:p>
+          </p:txBody>
+        </p:sp>
+      </p:grpSp>
+    </p:spTree>
+    <p:extLst>
+      <p:ext uri="{BB962C8B-B14F-4D97-AF65-F5344CB8AC3E}">
+        <p14:creationId xmlns:p14="http://schemas.microsoft.com/office/powerpoint/2010/main" val="285040199"/>
+      </p:ext>
+    </p:extLst>
+  </p:cSld>
+  <p:clrMapOvr>
+    <a:masterClrMapping/>
+  </p:clrMapOvr>
+</p:sld>
+</file>
+
 <file path=ppt/theme/theme1.xml><?xml version="1.0" encoding="utf-8"?>
 <a:theme xmlns:a="http://schemas.openxmlformats.org/drawingml/2006/main" name="Office Theme">
   <a:themeElements>
